--- a/AI_Asgn3.pptx
+++ b/AI_Asgn3.pptx
@@ -839,7 +839,7 @@
   <p:cSld>
     <p:spTree>
       <p:nvGrpSpPr>
-        <p:cNvPr id="175" name="Shape 175"/>
+        <p:cNvPr id="174" name="Shape 174"/>
         <p:cNvGrpSpPr/>
         <p:nvPr/>
       </p:nvGrpSpPr>
@@ -853,7 +853,7 @@
       </p:grpSpPr>
       <p:sp>
         <p:nvSpPr>
-          <p:cNvPr id="176" name="Google Shape;176;g3507e096540_2_125:notes"/>
+          <p:cNvPr id="175" name="Google Shape;175;g3507e096540_2_125:notes"/>
           <p:cNvSpPr/>
           <p:nvPr>
             <p:ph idx="2" type="sldImg"/>
@@ -898,7 +898,7 @@
       </p:sp>
       <p:sp>
         <p:nvSpPr>
-          <p:cNvPr id="177" name="Google Shape;177;g3507e096540_2_125:notes"/>
+          <p:cNvPr id="176" name="Google Shape;176;g3507e096540_2_125:notes"/>
           <p:cNvSpPr txBox="1"/>
           <p:nvPr>
             <p:ph idx="1" type="body"/>
@@ -956,7 +956,7 @@
   <p:cSld>
     <p:spTree>
       <p:nvGrpSpPr>
-        <p:cNvPr id="181" name="Shape 181"/>
+        <p:cNvPr id="180" name="Shape 180"/>
         <p:cNvGrpSpPr/>
         <p:nvPr/>
       </p:nvGrpSpPr>
@@ -970,7 +970,7 @@
       </p:grpSpPr>
       <p:sp>
         <p:nvSpPr>
-          <p:cNvPr id="182" name="Google Shape;182;g3507e096540_2_130:notes"/>
+          <p:cNvPr id="181" name="Google Shape;181;g3507e096540_2_130:notes"/>
           <p:cNvSpPr/>
           <p:nvPr>
             <p:ph idx="2" type="sldImg"/>
@@ -1015,7 +1015,7 @@
       </p:sp>
       <p:sp>
         <p:nvSpPr>
-          <p:cNvPr id="183" name="Google Shape;183;g3507e096540_2_130:notes"/>
+          <p:cNvPr id="182" name="Google Shape;182;g3507e096540_2_130:notes"/>
           <p:cNvSpPr txBox="1"/>
           <p:nvPr>
             <p:ph idx="1" type="body"/>
@@ -1073,7 +1073,7 @@
   <p:cSld>
     <p:spTree>
       <p:nvGrpSpPr>
-        <p:cNvPr id="187" name="Shape 187"/>
+        <p:cNvPr id="186" name="Shape 186"/>
         <p:cNvGrpSpPr/>
         <p:nvPr/>
       </p:nvGrpSpPr>
@@ -1087,7 +1087,7 @@
       </p:grpSpPr>
       <p:sp>
         <p:nvSpPr>
-          <p:cNvPr id="188" name="Google Shape;188;g3507e096540_0_0:notes"/>
+          <p:cNvPr id="187" name="Google Shape;187;g3507e096540_0_0:notes"/>
           <p:cNvSpPr/>
           <p:nvPr>
             <p:ph idx="2" type="sldImg"/>
@@ -1132,7 +1132,7 @@
       </p:sp>
       <p:sp>
         <p:nvSpPr>
-          <p:cNvPr id="189" name="Google Shape;189;g3507e096540_0_0:notes"/>
+          <p:cNvPr id="188" name="Google Shape;188;g3507e096540_0_0:notes"/>
           <p:cNvSpPr txBox="1"/>
           <p:nvPr>
             <p:ph idx="1" type="body"/>
@@ -1190,7 +1190,7 @@
   <p:cSld>
     <p:spTree>
       <p:nvGrpSpPr>
-        <p:cNvPr id="193" name="Shape 193"/>
+        <p:cNvPr id="192" name="Shape 192"/>
         <p:cNvGrpSpPr/>
         <p:nvPr/>
       </p:nvGrpSpPr>
@@ -1204,7 +1204,7 @@
       </p:grpSpPr>
       <p:sp>
         <p:nvSpPr>
-          <p:cNvPr id="194" name="Google Shape;194;g3507e096540_0_5:notes"/>
+          <p:cNvPr id="193" name="Google Shape;193;g3507e096540_0_5:notes"/>
           <p:cNvSpPr/>
           <p:nvPr>
             <p:ph idx="2" type="sldImg"/>
@@ -1249,7 +1249,7 @@
       </p:sp>
       <p:sp>
         <p:nvSpPr>
-          <p:cNvPr id="195" name="Google Shape;195;g3507e096540_0_5:notes"/>
+          <p:cNvPr id="194" name="Google Shape;194;g3507e096540_0_5:notes"/>
           <p:cNvSpPr txBox="1"/>
           <p:nvPr>
             <p:ph idx="1" type="body"/>
@@ -1307,7 +1307,7 @@
   <p:cSld>
     <p:spTree>
       <p:nvGrpSpPr>
-        <p:cNvPr id="199" name="Shape 199"/>
+        <p:cNvPr id="198" name="Shape 198"/>
         <p:cNvGrpSpPr/>
         <p:nvPr/>
       </p:nvGrpSpPr>
@@ -1321,7 +1321,7 @@
       </p:grpSpPr>
       <p:sp>
         <p:nvSpPr>
-          <p:cNvPr id="200" name="Google Shape;200;g3507e096540_2_135:notes"/>
+          <p:cNvPr id="199" name="Google Shape;199;g3507e096540_2_135:notes"/>
           <p:cNvSpPr/>
           <p:nvPr>
             <p:ph idx="2" type="sldImg"/>
@@ -1366,7 +1366,7 @@
       </p:sp>
       <p:sp>
         <p:nvSpPr>
-          <p:cNvPr id="201" name="Google Shape;201;g3507e096540_2_135:notes"/>
+          <p:cNvPr id="200" name="Google Shape;200;g3507e096540_2_135:notes"/>
           <p:cNvSpPr txBox="1"/>
           <p:nvPr>
             <p:ph idx="1" type="body"/>
@@ -1424,7 +1424,7 @@
   <p:cSld>
     <p:spTree>
       <p:nvGrpSpPr>
-        <p:cNvPr id="209" name="Shape 209"/>
+        <p:cNvPr id="208" name="Shape 208"/>
         <p:cNvGrpSpPr/>
         <p:nvPr/>
       </p:nvGrpSpPr>
@@ -1438,7 +1438,7 @@
       </p:grpSpPr>
       <p:sp>
         <p:nvSpPr>
-          <p:cNvPr id="210" name="Google Shape;210;g3507e096540_0_10:notes"/>
+          <p:cNvPr id="209" name="Google Shape;209;g3507e096540_0_10:notes"/>
           <p:cNvSpPr/>
           <p:nvPr>
             <p:ph idx="2" type="sldImg"/>
@@ -1483,7 +1483,7 @@
       </p:sp>
       <p:sp>
         <p:nvSpPr>
-          <p:cNvPr id="211" name="Google Shape;211;g3507e096540_0_10:notes"/>
+          <p:cNvPr id="210" name="Google Shape;210;g3507e096540_0_10:notes"/>
           <p:cNvSpPr txBox="1"/>
           <p:nvPr>
             <p:ph idx="1" type="body"/>
@@ -1541,7 +1541,7 @@
   <p:cSld>
     <p:spTree>
       <p:nvGrpSpPr>
-        <p:cNvPr id="218" name="Shape 218"/>
+        <p:cNvPr id="217" name="Shape 217"/>
         <p:cNvGrpSpPr/>
         <p:nvPr/>
       </p:nvGrpSpPr>
@@ -1555,7 +1555,7 @@
       </p:grpSpPr>
       <p:sp>
         <p:nvSpPr>
-          <p:cNvPr id="219" name="Google Shape;219;g3507e096540_2_146:notes"/>
+          <p:cNvPr id="218" name="Google Shape;218;g3507e096540_2_146:notes"/>
           <p:cNvSpPr/>
           <p:nvPr>
             <p:ph idx="2" type="sldImg"/>
@@ -1600,7 +1600,7 @@
       </p:sp>
       <p:sp>
         <p:nvSpPr>
-          <p:cNvPr id="220" name="Google Shape;220;g3507e096540_2_146:notes"/>
+          <p:cNvPr id="219" name="Google Shape;219;g3507e096540_2_146:notes"/>
           <p:cNvSpPr txBox="1"/>
           <p:nvPr>
             <p:ph idx="1" type="body"/>
@@ -18280,7 +18280,7 @@
         </p:spPr>
         <p:txBody>
           <a:bodyPr anchorCtr="0" anchor="b" bIns="91425" lIns="91425" spcFirstLastPara="1" rIns="91425" wrap="square" tIns="91425">
-            <a:normAutofit fontScale="90000"/>
+            <a:normAutofit/>
           </a:bodyPr>
           <a:lstStyle/>
           <a:p>
@@ -18294,7 +18294,7 @@
               <a:spcAft>
                 <a:spcPts val="0"/>
               </a:spcAft>
-              <a:buSzPct val="196977"/>
+              <a:buSzPts val="5778"/>
               <a:buNone/>
             </a:pPr>
             <a:r>
@@ -18317,7 +18317,7 @@
               <a:spcAft>
                 <a:spcPts val="0"/>
               </a:spcAft>
-              <a:buSzPts val="5200"/>
+              <a:buSzPts val="5778"/>
               <a:buNone/>
             </a:pPr>
             <a:br>
@@ -18326,7 +18326,7 @@
             <a:endParaRPr sz="1100"/>
           </a:p>
           <a:p>
-            <a:pPr indent="-291465" lvl="0" marL="457200" rtl="0" algn="l">
+            <a:pPr indent="-298450" lvl="0" marL="457200" rtl="0" algn="l">
               <a:lnSpc>
                 <a:spcPct val="115000"/>
               </a:lnSpc>
@@ -18336,7 +18336,7 @@
               <a:spcAft>
                 <a:spcPts val="0"/>
               </a:spcAft>
-              <a:buSzPct val="100000"/>
+              <a:buSzPts val="1100"/>
               <a:buChar char="●"/>
             </a:pPr>
             <a:r>
@@ -18350,7 +18350,7 @@
             <a:endParaRPr sz="1100"/>
           </a:p>
           <a:p>
-            <a:pPr indent="-291465" lvl="0" marL="457200" rtl="0" algn="l">
+            <a:pPr indent="-298450" lvl="0" marL="457200" rtl="0" algn="l">
               <a:lnSpc>
                 <a:spcPct val="115000"/>
               </a:lnSpc>
@@ -18360,7 +18360,7 @@
               <a:spcAft>
                 <a:spcPts val="0"/>
               </a:spcAft>
-              <a:buSzPct val="100000"/>
+              <a:buSzPts val="1100"/>
               <a:buChar char="●"/>
             </a:pPr>
             <a:r>
@@ -18374,7 +18374,7 @@
             <a:endParaRPr sz="1100"/>
           </a:p>
           <a:p>
-            <a:pPr indent="-291465" lvl="0" marL="457200" rtl="0" algn="l">
+            <a:pPr indent="-298450" lvl="0" marL="457200" rtl="0" algn="l">
               <a:lnSpc>
                 <a:spcPct val="115000"/>
               </a:lnSpc>
@@ -18384,7 +18384,7 @@
               <a:spcAft>
                 <a:spcPts val="0"/>
               </a:spcAft>
-              <a:buSzPct val="100000"/>
+              <a:buSzPts val="1100"/>
               <a:buChar char="●"/>
             </a:pPr>
             <a:r>
@@ -18398,7 +18398,7 @@
             <a:endParaRPr sz="1100"/>
           </a:p>
           <a:p>
-            <a:pPr indent="-291465" lvl="0" marL="457200" rtl="0" algn="l">
+            <a:pPr indent="-298450" lvl="0" marL="457200" rtl="0" algn="l">
               <a:lnSpc>
                 <a:spcPct val="115000"/>
               </a:lnSpc>
@@ -18408,7 +18408,7 @@
               <a:spcAft>
                 <a:spcPts val="0"/>
               </a:spcAft>
-              <a:buSzPct val="100000"/>
+              <a:buSzPts val="1100"/>
               <a:buChar char="●"/>
             </a:pPr>
             <a:r>
@@ -18434,7 +18434,7 @@
             <a:endParaRPr sz="1100"/>
           </a:p>
           <a:p>
-            <a:pPr indent="-291465" lvl="0" marL="457200" rtl="0" algn="l">
+            <a:pPr indent="-298450" lvl="0" marL="457200" rtl="0" algn="l">
               <a:lnSpc>
                 <a:spcPct val="115000"/>
               </a:lnSpc>
@@ -18444,7 +18444,7 @@
               <a:spcAft>
                 <a:spcPts val="0"/>
               </a:spcAft>
-              <a:buSzPct val="100000"/>
+              <a:buSzPts val="1100"/>
               <a:buChar char="●"/>
             </a:pPr>
             <a:r>
@@ -18452,7 +18452,12 @@
               <a:t>GitHub Repo:</a:t>
             </a:r>
             <a:r>
-              <a:rPr lang="en" sz="1100"/>
+              <a:rPr lang="en" sz="1100" u="sng">
+                <a:solidFill>
+                  <a:schemeClr val="hlink"/>
+                </a:solidFill>
+                <a:hlinkClick r:id="rId3"/>
+              </a:rPr>
               <a:t> </a:t>
             </a:r>
             <a:r>
@@ -18460,76 +18465,9 @@
                 <a:solidFill>
                   <a:schemeClr val="hlink"/>
                 </a:solidFill>
-                <a:hlinkClick r:id="rId3"/>
+                <a:hlinkClick r:id="rId4"/>
               </a:rPr>
-              <a:t>https://github.com/Ashantfet/AI_3.git</a:t>
-            </a:r>
-            <a:endParaRPr sz="1100"/>
-          </a:p>
-          <a:p>
-            <a:pPr indent="0" lvl="0" marL="0" rtl="0" algn="ctr">
-              <a:lnSpc>
-                <a:spcPct val="100000"/>
-              </a:lnSpc>
-              <a:spcBef>
-                <a:spcPts val="1200"/>
-              </a:spcBef>
-              <a:spcAft>
-                <a:spcPts val="0"/>
-              </a:spcAft>
-              <a:buSzPct val="152052"/>
-              <a:buNone/>
-            </a:pPr>
-            <a:r>
-              <a:t/>
-            </a:r>
-            <a:endParaRPr/>
-          </a:p>
-        </p:txBody>
-      </p:sp>
-      <p:sp>
-        <p:nvSpPr>
-          <p:cNvPr id="174" name="Google Shape;174;p25"/>
-          <p:cNvSpPr txBox="1"/>
-          <p:nvPr>
-            <p:ph idx="1" type="subTitle"/>
-          </p:nvPr>
-        </p:nvSpPr>
-        <p:spPr>
-          <a:xfrm>
-            <a:off x="580850" y="4120025"/>
-            <a:ext cx="8520600" cy="792600"/>
-          </a:xfrm>
-          <a:prstGeom prst="rect">
-            <a:avLst/>
-          </a:prstGeom>
-          <a:noFill/>
-          <a:ln>
-            <a:noFill/>
-          </a:ln>
-        </p:spPr>
-        <p:txBody>
-          <a:bodyPr anchorCtr="0" anchor="t" bIns="91425" lIns="91425" spcFirstLastPara="1" rIns="91425" wrap="square" tIns="91425">
-            <a:normAutofit/>
-          </a:bodyPr>
-          <a:lstStyle/>
-          <a:p>
-            <a:pPr indent="0" lvl="0" marL="0" rtl="0" algn="ctr">
-              <a:lnSpc>
-                <a:spcPct val="100000"/>
-              </a:lnSpc>
-              <a:spcBef>
-                <a:spcPts val="0"/>
-              </a:spcBef>
-              <a:spcAft>
-                <a:spcPts val="0"/>
-              </a:spcAft>
-              <a:buSzPts val="2800"/>
-              <a:buNone/>
-            </a:pPr>
-            <a:r>
-              <a:rPr lang="en"/>
-              <a:t> </a:t>
+              <a:t>https://github.com/sandeepshakya2019/AI_Asgn_3</a:t>
             </a:r>
             <a:endParaRPr/>
           </a:p>
@@ -18548,7 +18486,7 @@
   <p:cSld>
     <p:spTree>
       <p:nvGrpSpPr>
-        <p:cNvPr id="178" name="Shape 178"/>
+        <p:cNvPr id="177" name="Shape 177"/>
         <p:cNvGrpSpPr/>
         <p:nvPr/>
       </p:nvGrpSpPr>
@@ -18562,7 +18500,7 @@
       </p:grpSpPr>
       <p:sp>
         <p:nvSpPr>
-          <p:cNvPr id="179" name="Google Shape;179;p26"/>
+          <p:cNvPr id="178" name="Google Shape;178;p26"/>
           <p:cNvSpPr txBox="1"/>
           <p:nvPr>
             <p:ph type="title"/>
@@ -18614,7 +18552,7 @@
       </p:sp>
       <p:sp>
         <p:nvSpPr>
-          <p:cNvPr id="180" name="Google Shape;180;p26"/>
+          <p:cNvPr id="179" name="Google Shape;179;p26"/>
           <p:cNvSpPr txBox="1"/>
           <p:nvPr>
             <p:ph idx="1" type="body"/>
@@ -19223,7 +19161,7 @@
   <p:cSld>
     <p:spTree>
       <p:nvGrpSpPr>
-        <p:cNvPr id="184" name="Shape 184"/>
+        <p:cNvPr id="183" name="Shape 183"/>
         <p:cNvGrpSpPr/>
         <p:nvPr/>
       </p:nvGrpSpPr>
@@ -19237,7 +19175,7 @@
       </p:grpSpPr>
       <p:sp>
         <p:nvSpPr>
-          <p:cNvPr id="185" name="Google Shape;185;p27"/>
+          <p:cNvPr id="184" name="Google Shape;184;p27"/>
           <p:cNvSpPr txBox="1"/>
           <p:nvPr>
             <p:ph type="title"/>
@@ -19289,7 +19227,7 @@
       </p:sp>
       <p:sp>
         <p:nvSpPr>
-          <p:cNvPr id="186" name="Google Shape;186;p27"/>
+          <p:cNvPr id="185" name="Google Shape;185;p27"/>
           <p:cNvSpPr txBox="1"/>
           <p:nvPr>
             <p:ph idx="1" type="body"/>
@@ -19484,7 +19422,7 @@
   <p:cSld>
     <p:spTree>
       <p:nvGrpSpPr>
-        <p:cNvPr id="190" name="Shape 190"/>
+        <p:cNvPr id="189" name="Shape 189"/>
         <p:cNvGrpSpPr/>
         <p:nvPr/>
       </p:nvGrpSpPr>
@@ -19498,7 +19436,7 @@
       </p:grpSpPr>
       <p:sp>
         <p:nvSpPr>
-          <p:cNvPr id="191" name="Google Shape;191;p28"/>
+          <p:cNvPr id="190" name="Google Shape;190;p28"/>
           <p:cNvSpPr txBox="1"/>
           <p:nvPr>
             <p:ph type="title"/>
@@ -19550,7 +19488,7 @@
       </p:sp>
       <p:sp>
         <p:nvSpPr>
-          <p:cNvPr id="192" name="Google Shape;192;p28"/>
+          <p:cNvPr id="191" name="Google Shape;191;p28"/>
           <p:cNvSpPr txBox="1"/>
           <p:nvPr>
             <p:ph idx="1" type="body"/>
@@ -19818,7 +19756,7 @@
   <p:cSld>
     <p:spTree>
       <p:nvGrpSpPr>
-        <p:cNvPr id="196" name="Shape 196"/>
+        <p:cNvPr id="195" name="Shape 195"/>
         <p:cNvGrpSpPr/>
         <p:nvPr/>
       </p:nvGrpSpPr>
@@ -19832,7 +19770,7 @@
       </p:grpSpPr>
       <p:sp>
         <p:nvSpPr>
-          <p:cNvPr id="197" name="Google Shape;197;p29"/>
+          <p:cNvPr id="196" name="Google Shape;196;p29"/>
           <p:cNvSpPr txBox="1"/>
           <p:nvPr>
             <p:ph type="title"/>
@@ -19884,7 +19822,7 @@
       </p:sp>
       <p:sp>
         <p:nvSpPr>
-          <p:cNvPr id="198" name="Google Shape;198;p29"/>
+          <p:cNvPr id="197" name="Google Shape;197;p29"/>
           <p:cNvSpPr txBox="1"/>
           <p:nvPr>
             <p:ph idx="1" type="body"/>
@@ -20077,7 +20015,7 @@
   <p:cSld>
     <p:spTree>
       <p:nvGrpSpPr>
-        <p:cNvPr id="202" name="Shape 202"/>
+        <p:cNvPr id="201" name="Shape 201"/>
         <p:cNvGrpSpPr/>
         <p:nvPr/>
       </p:nvGrpSpPr>
@@ -20091,7 +20029,7 @@
       </p:grpSpPr>
       <p:sp>
         <p:nvSpPr>
-          <p:cNvPr id="203" name="Google Shape;203;p30"/>
+          <p:cNvPr id="202" name="Google Shape;202;p30"/>
           <p:cNvSpPr txBox="1"/>
           <p:nvPr>
             <p:ph type="title"/>
@@ -20162,7 +20100,7 @@
       </p:sp>
       <p:sp>
         <p:nvSpPr>
-          <p:cNvPr id="204" name="Google Shape;204;p30"/>
+          <p:cNvPr id="203" name="Google Shape;203;p30"/>
           <p:cNvSpPr txBox="1"/>
           <p:nvPr>
             <p:ph idx="1" type="body"/>
@@ -20613,7 +20551,7 @@
       </p:sp>
       <p:sp>
         <p:nvSpPr>
-          <p:cNvPr id="205" name="Google Shape;205;p30"/>
+          <p:cNvPr id="204" name="Google Shape;204;p30"/>
           <p:cNvSpPr txBox="1"/>
           <p:nvPr/>
         </p:nvSpPr>
@@ -20670,7 +20608,7 @@
       </p:sp>
       <p:sp>
         <p:nvSpPr>
-          <p:cNvPr id="206" name="Google Shape;206;p30"/>
+          <p:cNvPr id="205" name="Google Shape;205;p30"/>
           <p:cNvSpPr txBox="1"/>
           <p:nvPr/>
         </p:nvSpPr>
@@ -20736,7 +20674,7 @@
       </p:sp>
       <p:sp>
         <p:nvSpPr>
-          <p:cNvPr id="207" name="Google Shape;207;p30"/>
+          <p:cNvPr id="206" name="Google Shape;206;p30"/>
           <p:cNvSpPr txBox="1"/>
           <p:nvPr/>
         </p:nvSpPr>
@@ -20802,23 +20740,24 @@
       </p:sp>
       <p:pic>
         <p:nvPicPr>
-          <p:cNvPr id="208" name="Google Shape;208;p30" title="minimax_game.mp4">
+          <p:cNvPr id="207" name="Google Shape;207;p30" title="minimax_game.mp4">
             <a:hlinkClick r:id="rId3"/>
           </p:cNvPr>
           <p:cNvPicPr preferRelativeResize="0"/>
           <p:nvPr/>
         </p:nvPicPr>
-        <p:blipFill rotWithShape="1">
+        <p:blipFill>
           <a:blip r:embed="rId4">
             <a:alphaModFix/>
           </a:blip>
-          <a:srcRect b="0" l="0" r="0" t="0"/>
-          <a:stretch/>
+          <a:stretch>
+            <a:fillRect/>
+          </a:stretch>
         </p:blipFill>
         <p:spPr>
           <a:xfrm>
-            <a:off x="4573050" y="1676600"/>
-            <a:ext cx="3850974" cy="1694700"/>
+            <a:off x="4127338" y="970200"/>
+            <a:ext cx="4711863" cy="2010395"/>
           </a:xfrm>
           <a:prstGeom prst="rect">
             <a:avLst/>
@@ -20868,7 +20807,7 @@
                                           </p:stCondLst>
                                         </p:cTn>
                                         <p:tgtEl>
-                                          <p:spTgt spid="208"/>
+                                          <p:spTgt spid="207"/>
                                         </p:tgtEl>
                                         <p:attrNameLst>
                                           <p:attrName>style.visibility</p:attrName>
@@ -20882,7 +20821,7 @@
                                       <p:cBhvr>
                                         <p:cTn dur="1000"/>
                                         <p:tgtEl>
-                                          <p:spTgt spid="208"/>
+                                          <p:spTgt spid="207"/>
                                         </p:tgtEl>
                                       </p:cBhvr>
                                     </p:animEffect>
@@ -20925,7 +20864,7 @@
   <p:cSld>
     <p:spTree>
       <p:nvGrpSpPr>
-        <p:cNvPr id="212" name="Shape 212"/>
+        <p:cNvPr id="211" name="Shape 211"/>
         <p:cNvGrpSpPr/>
         <p:nvPr/>
       </p:nvGrpSpPr>
@@ -20939,7 +20878,7 @@
       </p:grpSpPr>
       <p:sp>
         <p:nvSpPr>
-          <p:cNvPr id="213" name="Google Shape;213;p31"/>
+          <p:cNvPr id="212" name="Google Shape;212;p31"/>
           <p:cNvSpPr txBox="1"/>
           <p:nvPr>
             <p:ph type="title"/>
@@ -21010,7 +20949,7 @@
       </p:sp>
       <p:sp>
         <p:nvSpPr>
-          <p:cNvPr id="214" name="Google Shape;214;p31"/>
+          <p:cNvPr id="213" name="Google Shape;213;p31"/>
           <p:cNvSpPr txBox="1"/>
           <p:nvPr>
             <p:ph idx="1" type="body"/>
@@ -21402,7 +21341,7 @@
       </p:sp>
       <p:sp>
         <p:nvSpPr>
-          <p:cNvPr id="215" name="Google Shape;215;p31"/>
+          <p:cNvPr id="214" name="Google Shape;214;p31"/>
           <p:cNvSpPr txBox="1"/>
           <p:nvPr/>
         </p:nvSpPr>
@@ -21459,7 +21398,7 @@
       </p:sp>
       <p:sp>
         <p:nvSpPr>
-          <p:cNvPr id="216" name="Google Shape;216;p31"/>
+          <p:cNvPr id="215" name="Google Shape;215;p31"/>
           <p:cNvSpPr txBox="1"/>
           <p:nvPr/>
         </p:nvSpPr>
@@ -21525,23 +21464,24 @@
       </p:sp>
       <p:pic>
         <p:nvPicPr>
-          <p:cNvPr id="217" name="Google Shape;217;p31" title="minimax_game.mp4">
+          <p:cNvPr id="216" name="Google Shape;216;p31" title="alphabeta_game.mp4">
             <a:hlinkClick r:id="rId3"/>
           </p:cNvPr>
           <p:cNvPicPr preferRelativeResize="0"/>
           <p:nvPr/>
         </p:nvPicPr>
-        <p:blipFill rotWithShape="1">
+        <p:blipFill>
           <a:blip r:embed="rId4">
             <a:alphaModFix/>
           </a:blip>
-          <a:srcRect b="0" l="0" r="0" t="0"/>
-          <a:stretch/>
+          <a:stretch>
+            <a:fillRect/>
+          </a:stretch>
         </p:blipFill>
         <p:spPr>
           <a:xfrm>
-            <a:off x="4529113" y="1573813"/>
-            <a:ext cx="3887101" cy="1883450"/>
+            <a:off x="4152463" y="1051700"/>
+            <a:ext cx="4640412" cy="1979909"/>
           </a:xfrm>
           <a:prstGeom prst="rect">
             <a:avLst/>
@@ -21569,6 +21509,9 @@
                     <p:cTn fill="hold">
                       <p:stCondLst>
                         <p:cond delay="indefinite"/>
+                        <p:cond evt="onBegin" delay="0">
+                          <p:tn val="2"/>
+                        </p:cond>
                       </p:stCondLst>
                       <p:childTnLst>
                         <p:par>
@@ -21578,7 +21521,7 @@
                             </p:stCondLst>
                             <p:childTnLst>
                               <p:par>
-                                <p:cTn fill="hold" nodeType="clickEffect" presetClass="entr" presetID="10" presetSubtype="0">
+                                <p:cTn fill="hold" nodeType="withEffect" presetClass="entr" presetID="10" presetSubtype="0">
                                   <p:stCondLst>
                                     <p:cond delay="0"/>
                                   </p:stCondLst>
@@ -21591,7 +21534,7 @@
                                           </p:stCondLst>
                                         </p:cTn>
                                         <p:tgtEl>
-                                          <p:spTgt spid="217"/>
+                                          <p:spTgt spid="216"/>
                                         </p:tgtEl>
                                         <p:attrNameLst>
                                           <p:attrName>style.visibility</p:attrName>
@@ -21605,7 +21548,7 @@
                                       <p:cBhvr>
                                         <p:cTn dur="1000"/>
                                         <p:tgtEl>
-                                          <p:spTgt spid="217"/>
+                                          <p:spTgt spid="216"/>
                                         </p:tgtEl>
                                       </p:cBhvr>
                                     </p:animEffect>
@@ -21648,7 +21591,7 @@
   <p:cSld>
     <p:spTree>
       <p:nvGrpSpPr>
-        <p:cNvPr id="221" name="Shape 221"/>
+        <p:cNvPr id="220" name="Shape 220"/>
         <p:cNvGrpSpPr/>
         <p:nvPr/>
       </p:nvGrpSpPr>
@@ -21662,7 +21605,7 @@
       </p:grpSpPr>
       <p:sp>
         <p:nvSpPr>
-          <p:cNvPr id="222" name="Google Shape;222;p32"/>
+          <p:cNvPr id="221" name="Google Shape;221;p32"/>
           <p:cNvSpPr txBox="1"/>
           <p:nvPr>
             <p:ph type="title"/>
@@ -21710,7 +21653,7 @@
       </p:sp>
       <p:sp>
         <p:nvSpPr>
-          <p:cNvPr id="223" name="Google Shape;223;p32"/>
+          <p:cNvPr id="222" name="Google Shape;222;p32"/>
           <p:cNvSpPr txBox="1"/>
           <p:nvPr>
             <p:ph idx="1" type="body"/>
